--- a/HTML_CSS_CMS/HTML_CSS.pptx
+++ b/HTML_CSS_CMS/HTML_CSS.pptx
@@ -1,6 +1,6 @@
 
 <file path=ppt/presentation.xml><?xml version="1.0" encoding="utf-8"?>
-<p:presentation xmlns:a="http://schemas.openxmlformats.org/drawingml/2006/main" xmlns:r="http://schemas.openxmlformats.org/officeDocument/2006/relationships" xmlns:p="http://schemas.openxmlformats.org/presentationml/2006/main" autoCompressPictures="0">
+<p:presentation xmlns:a="http://schemas.openxmlformats.org/drawingml/2006/main" xmlns:r="http://schemas.openxmlformats.org/officeDocument/2006/relationships" xmlns:p="http://schemas.openxmlformats.org/presentationml/2006/main" saveSubsetFonts="1" autoCompressPictures="0">
   <p:sldMasterIdLst>
     <p:sldMasterId id="2147483648" r:id="rId1"/>
   </p:sldMasterIdLst>
@@ -235,7 +235,7 @@
           <a:p>
             <a:fld id="{664B5C24-0392-4339-8F2A-F5229634CDDD}" type="datetimeFigureOut">
               <a:rPr lang="fr-FR" smtClean="0"/>
-              <a:t>09/10/2016</a:t>
+              <a:t>10/10/2016</a:t>
             </a:fld>
             <a:endParaRPr lang="fr-FR"/>
           </a:p>
@@ -393,7 +393,7 @@
           <a:p>
             <a:fld id="{6EDC810F-94A0-44FB-A07D-FBE39A877EB5}" type="slidenum">
               <a:rPr lang="fr-FR" smtClean="0"/>
-              <a:t>‹N°›</a:t>
+              <a:t>‹#›</a:t>
             </a:fld>
             <a:endParaRPr lang="fr-FR"/>
           </a:p>
@@ -723,7 +723,7 @@
           <a:p>
             <a:fld id="{D57F1E4F-1CFF-5643-939E-02111984F565}" type="slidenum">
               <a:rPr lang="en-US" dirty="0"/>
-              <a:t>‹N°›</a:t>
+              <a:t>‹#›</a:t>
             </a:fld>
             <a:endParaRPr lang="en-US" dirty="0"/>
           </a:p>
@@ -989,7 +989,7 @@
           <a:p>
             <a:fld id="{D57F1E4F-1CFF-5643-939E-02111984F565}" type="slidenum">
               <a:rPr lang="en-US" dirty="0"/>
-              <a:t>‹N°›</a:t>
+              <a:t>‹#›</a:t>
             </a:fld>
             <a:endParaRPr lang="en-US" dirty="0"/>
           </a:p>
@@ -1174,7 +1174,7 @@
           <a:p>
             <a:fld id="{D57F1E4F-1CFF-5643-939E-02111984F565}" type="slidenum">
               <a:rPr lang="en-US" dirty="0"/>
-              <a:t>‹N°›</a:t>
+              <a:t>‹#›</a:t>
             </a:fld>
             <a:endParaRPr lang="en-US" dirty="0"/>
           </a:p>
@@ -1433,7 +1433,7 @@
           <a:p>
             <a:fld id="{D57F1E4F-1CFF-5643-939E-02111984F565}" type="slidenum">
               <a:rPr lang="en-US" dirty="0"/>
-              <a:t>‹N°›</a:t>
+              <a:t>‹#›</a:t>
             </a:fld>
             <a:endParaRPr lang="en-US" dirty="0"/>
           </a:p>
@@ -1756,7 +1756,7 @@
           <a:p>
             <a:fld id="{D57F1E4F-1CFF-5643-939E-02111984F565}" type="slidenum">
               <a:rPr lang="en-US" dirty="0"/>
-              <a:t>‹N°›</a:t>
+              <a:t>‹#›</a:t>
             </a:fld>
             <a:endParaRPr lang="en-US" dirty="0"/>
           </a:p>
@@ -2357,7 +2357,7 @@
           <a:p>
             <a:fld id="{D57F1E4F-1CFF-5643-939E-02111984F565}" type="slidenum">
               <a:rPr lang="en-US" dirty="0"/>
-              <a:t>‹N°›</a:t>
+              <a:t>‹#›</a:t>
             </a:fld>
             <a:endParaRPr lang="en-US" dirty="0"/>
           </a:p>
@@ -3195,7 +3195,7 @@
           <a:p>
             <a:fld id="{D57F1E4F-1CFF-5643-939E-02111984F565}" type="slidenum">
               <a:rPr lang="en-US" dirty="0"/>
-              <a:t>‹N°›</a:t>
+              <a:t>‹#›</a:t>
             </a:fld>
             <a:endParaRPr lang="en-US" dirty="0"/>
           </a:p>
@@ -3356,7 +3356,7 @@
           <a:p>
             <a:fld id="{D57F1E4F-1CFF-5643-939E-02111984F565}" type="slidenum">
               <a:rPr lang="en-US" dirty="0"/>
-              <a:t>‹N°›</a:t>
+              <a:t>‹#›</a:t>
             </a:fld>
             <a:endParaRPr lang="en-US" dirty="0"/>
           </a:p>
@@ -3527,7 +3527,7 @@
           <a:p>
             <a:fld id="{D57F1E4F-1CFF-5643-939E-02111984F565}" type="slidenum">
               <a:rPr lang="en-US" dirty="0"/>
-              <a:t>‹N°›</a:t>
+              <a:t>‹#›</a:t>
             </a:fld>
             <a:endParaRPr lang="en-US" dirty="0"/>
           </a:p>
@@ -3652,7 +3652,7 @@
           <a:lstStyle/>
           <a:p>
             <a:fld id="{86CB4B4D-7CA3-9044-876B-883B54F8677D}" type="slidenum">
-              <a:t>‹N°›</a:t>
+              <a:t>‹#›</a:t>
             </a:fld>
             <a:endParaRPr/>
           </a:p>
@@ -3819,7 +3819,7 @@
           <a:p>
             <a:fld id="{D57F1E4F-1CFF-5643-939E-02111984F565}" type="slidenum">
               <a:rPr lang="en-US" dirty="0"/>
-              <a:t>‹N°›</a:t>
+              <a:t>‹#›</a:t>
             </a:fld>
             <a:endParaRPr lang="en-US" dirty="0"/>
           </a:p>
@@ -4054,7 +4054,7 @@
           <a:p>
             <a:fld id="{D57F1E4F-1CFF-5643-939E-02111984F565}" type="slidenum">
               <a:rPr lang="en-US" dirty="0"/>
-              <a:t>‹N°›</a:t>
+              <a:t>‹#›</a:t>
             </a:fld>
             <a:endParaRPr lang="en-US" dirty="0"/>
           </a:p>
@@ -4337,7 +4337,7 @@
           <a:p>
             <a:fld id="{D57F1E4F-1CFF-5643-939E-02111984F565}" type="slidenum">
               <a:rPr lang="en-US" dirty="0"/>
-              <a:t>‹N°›</a:t>
+              <a:t>‹#›</a:t>
             </a:fld>
             <a:endParaRPr lang="en-US" dirty="0"/>
           </a:p>
@@ -4766,7 +4766,7 @@
           <a:p>
             <a:fld id="{D57F1E4F-1CFF-5643-939E-02111984F565}" type="slidenum">
               <a:rPr lang="en-US" dirty="0"/>
-              <a:t>‹N°›</a:t>
+              <a:t>‹#›</a:t>
             </a:fld>
             <a:endParaRPr lang="en-US" dirty="0"/>
           </a:p>
@@ -4875,7 +4875,7 @@
           <a:p>
             <a:fld id="{D57F1E4F-1CFF-5643-939E-02111984F565}" type="slidenum">
               <a:rPr lang="en-US" dirty="0"/>
-              <a:t>‹N°›</a:t>
+              <a:t>‹#›</a:t>
             </a:fld>
             <a:endParaRPr lang="en-US" dirty="0"/>
           </a:p>
@@ -4961,7 +4961,7 @@
           <a:p>
             <a:fld id="{D57F1E4F-1CFF-5643-939E-02111984F565}" type="slidenum">
               <a:rPr lang="en-US" dirty="0"/>
-              <a:t>‹N°›</a:t>
+              <a:t>‹#›</a:t>
             </a:fld>
             <a:endParaRPr lang="en-US" dirty="0"/>
           </a:p>
@@ -5231,7 +5231,7 @@
           <a:p>
             <a:fld id="{D57F1E4F-1CFF-5643-939E-02111984F565}" type="slidenum">
               <a:rPr lang="en-US" dirty="0"/>
-              <a:t>‹N°›</a:t>
+              <a:t>‹#›</a:t>
             </a:fld>
             <a:endParaRPr lang="en-US" dirty="0"/>
           </a:p>
@@ -5497,7 +5497,7 @@
           <a:p>
             <a:fld id="{D57F1E4F-1CFF-5643-939E-02111984F565}" type="slidenum">
               <a:rPr lang="en-US" dirty="0"/>
-              <a:t>‹N°›</a:t>
+              <a:t>‹#›</a:t>
             </a:fld>
             <a:endParaRPr lang="en-US" dirty="0"/>
           </a:p>
@@ -5954,7 +5954,7 @@
           <a:p>
             <a:fld id="{D57F1E4F-1CFF-5643-939E-02111984F565}" type="slidenum">
               <a:rPr lang="en-US" dirty="0"/>
-              <a:t>‹N°›</a:t>
+              <a:t>‹#›</a:t>
             </a:fld>
             <a:endParaRPr lang="en-US" dirty="0"/>
           </a:p>
@@ -6385,7 +6385,7 @@
         </p:nvSpPr>
         <p:spPr>
           <a:xfrm>
-            <a:off x="1154954" y="2794461"/>
+            <a:off x="1154953" y="2530070"/>
             <a:ext cx="8825658" cy="3329581"/>
           </a:xfrm>
         </p:spPr>
@@ -6447,6 +6447,49 @@
               <a:t>1</a:t>
             </a:fld>
             <a:endParaRPr lang="en-US" dirty="0"/>
+          </a:p>
+        </p:txBody>
+      </p:sp>
+      <p:sp>
+        <p:nvSpPr>
+          <p:cNvPr id="5" name="Sous-titre 2"/>
+          <p:cNvSpPr>
+            <a:spLocks noGrp="1"/>
+          </p:cNvSpPr>
+          <p:nvPr>
+            <p:ph type="subTitle" idx="1"/>
+          </p:nvPr>
+        </p:nvSpPr>
+        <p:spPr>
+          <a:xfrm>
+            <a:off x="1407108" y="6124042"/>
+            <a:ext cx="8825658" cy="861420"/>
+          </a:xfrm>
+        </p:spPr>
+        <p:txBody>
+          <a:bodyPr>
+            <a:normAutofit/>
+          </a:bodyPr>
+          <a:lstStyle/>
+          <a:p>
+            <a:pPr algn="ctr"/>
+            <a:r>
+              <a:rPr lang="fr-FR" cap="none" dirty="0"/>
+              <a:t>A</a:t>
+            </a:r>
+            <a:r>
+              <a:rPr lang="fr-FR" cap="none" dirty="0" smtClean="0"/>
+              <a:t>lexis </a:t>
+            </a:r>
+            <a:r>
+              <a:rPr lang="fr-FR" cap="none" dirty="0"/>
+              <a:t>D</a:t>
+            </a:r>
+            <a:r>
+              <a:rPr lang="fr-FR" cap="none" dirty="0" smtClean="0"/>
+              <a:t>ucerf – alexis.ducerf@DeerCoders.com</a:t>
+            </a:r>
+            <a:endParaRPr lang="fr-FR" cap="none" dirty="0"/>
           </a:p>
         </p:txBody>
       </p:sp>
@@ -6531,11 +6574,7 @@
             <a:spLocks noGrp="1" noRot="1" noChangeAspect="1" noMove="1" noResize="1" noEditPoints="1" noAdjustHandles="1" noChangeArrowheads="1" noChangeShapeType="1" noTextEdit="1"/>
           </p:cNvSpPr>
           <p:nvPr>
-            <p:extLst>
-              <p:ext uri="{386F3935-93C4-4BCD-93E2-E3B085C9AB24}">
-                <p16:designElem xmlns:p16="http://schemas.microsoft.com/office/powerpoint/2015/main" val="1"/>
-              </p:ext>
-            </p:extLst>
+            <p:extLst/>
           </p:nvPr>
         </p:nvSpPr>
         <p:spPr>
@@ -6743,13 +6782,13 @@
   <p:clrMapOvr>
     <a:masterClrMapping/>
   </p:clrMapOvr>
-  <mc:AlternateContent xmlns:mc="http://schemas.openxmlformats.org/markup-compatibility/2006">
-    <mc:Choice xmlns:p14="http://schemas.microsoft.com/office/powerpoint/2010/main" Requires="p14">
+  <mc:AlternateContent xmlns:mc="http://schemas.openxmlformats.org/markup-compatibility/2006" xmlns:p14="http://schemas.microsoft.com/office/powerpoint/2010/main">
+    <mc:Choice Requires="p14">
       <p:transition spd="slow" p14:dur="1250">
         <p14:switch dir="r"/>
       </p:transition>
     </mc:Choice>
-    <mc:Fallback>
+    <mc:Fallback xmlns="">
       <p:transition spd="slow">
         <p:fade/>
       </p:transition>
@@ -6826,7 +6865,7 @@
           </a:ln>
           <a:extLst>
             <a:ext uri="{C572A759-6A51-4108-AA02-DFA0A04FC94B}">
-              <ma14:wrappingTextBoxFlag xmlns:ma14="http://schemas.microsoft.com/office/mac/drawingml/2011/main" xmlns="" val="1"/>
+              <ma14:wrappingTextBoxFlag xmlns:ma14="http://schemas.microsoft.com/office/mac/drawingml/2011/main" val="1"/>
             </a:ext>
           </a:extLst>
         </p:spPr>
@@ -6915,7 +6954,7 @@
           </a:ln>
           <a:extLst>
             <a:ext uri="{C572A759-6A51-4108-AA02-DFA0A04FC94B}">
-              <ma14:wrappingTextBoxFlag xmlns:ma14="http://schemas.microsoft.com/office/mac/drawingml/2011/main" xmlns="" val="1"/>
+              <ma14:wrappingTextBoxFlag xmlns:ma14="http://schemas.microsoft.com/office/mac/drawingml/2011/main" val="1"/>
             </a:ext>
           </a:extLst>
         </p:spPr>
@@ -6954,7 +6993,7 @@
           </a:ln>
           <a:extLst>
             <a:ext uri="{C572A759-6A51-4108-AA02-DFA0A04FC94B}">
-              <ma14:wrappingTextBoxFlag xmlns:ma14="http://schemas.microsoft.com/office/mac/drawingml/2011/main" xmlns="" val="1"/>
+              <ma14:wrappingTextBoxFlag xmlns:ma14="http://schemas.microsoft.com/office/mac/drawingml/2011/main" val="1"/>
             </a:ext>
           </a:extLst>
         </p:spPr>
@@ -7043,7 +7082,7 @@
           </a:ln>
           <a:extLst>
             <a:ext uri="{C572A759-6A51-4108-AA02-DFA0A04FC94B}">
-              <ma14:wrappingTextBoxFlag xmlns:ma14="http://schemas.microsoft.com/office/mac/drawingml/2011/main" xmlns="" val="1"/>
+              <ma14:wrappingTextBoxFlag xmlns:ma14="http://schemas.microsoft.com/office/mac/drawingml/2011/main" val="1"/>
             </a:ext>
           </a:extLst>
         </p:spPr>
@@ -7082,7 +7121,7 @@
           </a:ln>
           <a:extLst>
             <a:ext uri="{C572A759-6A51-4108-AA02-DFA0A04FC94B}">
-              <ma14:wrappingTextBoxFlag xmlns:ma14="http://schemas.microsoft.com/office/mac/drawingml/2011/main" xmlns="" val="1"/>
+              <ma14:wrappingTextBoxFlag xmlns:ma14="http://schemas.microsoft.com/office/mac/drawingml/2011/main" val="1"/>
             </a:ext>
           </a:extLst>
         </p:spPr>
@@ -7130,7 +7169,7 @@
           </a:ln>
           <a:extLst>
             <a:ext uri="{C572A759-6A51-4108-AA02-DFA0A04FC94B}">
-              <ma14:wrappingTextBoxFlag xmlns:ma14="http://schemas.microsoft.com/office/mac/drawingml/2011/main" xmlns="" val="1"/>
+              <ma14:wrappingTextBoxFlag xmlns:ma14="http://schemas.microsoft.com/office/mac/drawingml/2011/main" val="1"/>
             </a:ext>
           </a:extLst>
         </p:spPr>
@@ -7436,7 +7475,7 @@
           </a:ln>
           <a:extLst>
             <a:ext uri="{C572A759-6A51-4108-AA02-DFA0A04FC94B}">
-              <ma14:wrappingTextBoxFlag xmlns:ma14="http://schemas.microsoft.com/office/mac/drawingml/2011/main" xmlns="" val="1"/>
+              <ma14:wrappingTextBoxFlag xmlns:ma14="http://schemas.microsoft.com/office/mac/drawingml/2011/main" val="1"/>
             </a:ext>
           </a:extLst>
         </p:spPr>
@@ -7808,7 +7847,7 @@
             <a:effectLst/>
             <a:extLst>
               <a:ext uri="{C572A759-6A51-4108-AA02-DFA0A04FC94B}">
-                <ma14:wrappingTextBoxFlag xmlns:ma14="http://schemas.microsoft.com/office/mac/drawingml/2011/main" xmlns="" val="1"/>
+                <ma14:wrappingTextBoxFlag xmlns:ma14="http://schemas.microsoft.com/office/mac/drawingml/2011/main" val="1"/>
               </a:ext>
             </a:extLst>
           </p:spPr>
@@ -7939,7 +7978,7 @@
             <a:effectLst/>
             <a:extLst>
               <a:ext uri="{C572A759-6A51-4108-AA02-DFA0A04FC94B}">
-                <ma14:wrappingTextBoxFlag xmlns:ma14="http://schemas.microsoft.com/office/mac/drawingml/2011/main" xmlns="" val="1"/>
+                <ma14:wrappingTextBoxFlag xmlns:ma14="http://schemas.microsoft.com/office/mac/drawingml/2011/main" val="1"/>
               </a:ext>
             </a:extLst>
           </p:spPr>
@@ -8086,7 +8125,7 @@
             <a:effectLst/>
             <a:extLst>
               <a:ext uri="{C572A759-6A51-4108-AA02-DFA0A04FC94B}">
-                <ma14:wrappingTextBoxFlag xmlns:ma14="http://schemas.microsoft.com/office/mac/drawingml/2011/main" xmlns="" val="1"/>
+                <ma14:wrappingTextBoxFlag xmlns:ma14="http://schemas.microsoft.com/office/mac/drawingml/2011/main" val="1"/>
               </a:ext>
             </a:extLst>
           </p:spPr>
@@ -8225,7 +8264,7 @@
             <a:effectLst/>
             <a:extLst>
               <a:ext uri="{C572A759-6A51-4108-AA02-DFA0A04FC94B}">
-                <ma14:wrappingTextBoxFlag xmlns:ma14="http://schemas.microsoft.com/office/mac/drawingml/2011/main" xmlns="" val="1"/>
+                <ma14:wrappingTextBoxFlag xmlns:ma14="http://schemas.microsoft.com/office/mac/drawingml/2011/main" val="1"/>
               </a:ext>
             </a:extLst>
           </p:spPr>
@@ -8364,7 +8403,7 @@
             <a:effectLst/>
             <a:extLst>
               <a:ext uri="{C572A759-6A51-4108-AA02-DFA0A04FC94B}">
-                <ma14:wrappingTextBoxFlag xmlns:ma14="http://schemas.microsoft.com/office/mac/drawingml/2011/main" xmlns="" val="1"/>
+                <ma14:wrappingTextBoxFlag xmlns:ma14="http://schemas.microsoft.com/office/mac/drawingml/2011/main" val="1"/>
               </a:ext>
             </a:extLst>
           </p:spPr>
@@ -8417,7 +8456,7 @@
           </a:ln>
           <a:extLst>
             <a:ext uri="{C572A759-6A51-4108-AA02-DFA0A04FC94B}">
-              <ma14:wrappingTextBoxFlag xmlns:ma14="http://schemas.microsoft.com/office/mac/drawingml/2011/main" xmlns="" val="1"/>
+              <ma14:wrappingTextBoxFlag xmlns:ma14="http://schemas.microsoft.com/office/mac/drawingml/2011/main" val="1"/>
             </a:ext>
           </a:extLst>
         </p:spPr>
@@ -8611,7 +8650,7 @@
             <a:effectLst/>
             <a:extLst>
               <a:ext uri="{C572A759-6A51-4108-AA02-DFA0A04FC94B}">
-                <ma14:wrappingTextBoxFlag xmlns:ma14="http://schemas.microsoft.com/office/mac/drawingml/2011/main" xmlns="" val="1"/>
+                <ma14:wrappingTextBoxFlag xmlns:ma14="http://schemas.microsoft.com/office/mac/drawingml/2011/main" val="1"/>
               </a:ext>
             </a:extLst>
           </p:spPr>
@@ -9289,7 +9328,7 @@
           </a:ln>
           <a:extLst>
             <a:ext uri="{C572A759-6A51-4108-AA02-DFA0A04FC94B}">
-              <ma14:wrappingTextBoxFlag xmlns:ma14="http://schemas.microsoft.com/office/mac/drawingml/2011/main" xmlns="" val="1"/>
+              <ma14:wrappingTextBoxFlag xmlns:ma14="http://schemas.microsoft.com/office/mac/drawingml/2011/main" val="1"/>
             </a:ext>
           </a:extLst>
         </p:spPr>
@@ -9343,7 +9382,7 @@
           </a:ln>
           <a:extLst>
             <a:ext uri="{C572A759-6A51-4108-AA02-DFA0A04FC94B}">
-              <ma14:wrappingTextBoxFlag xmlns:ma14="http://schemas.microsoft.com/office/mac/drawingml/2011/main" xmlns="" val="1"/>
+              <ma14:wrappingTextBoxFlag xmlns:ma14="http://schemas.microsoft.com/office/mac/drawingml/2011/main" val="1"/>
             </a:ext>
           </a:extLst>
         </p:spPr>
@@ -9426,7 +9465,7 @@
           </a:ln>
           <a:extLst>
             <a:ext uri="{C572A759-6A51-4108-AA02-DFA0A04FC94B}">
-              <ma14:wrappingTextBoxFlag xmlns:ma14="http://schemas.microsoft.com/office/mac/drawingml/2011/main" xmlns="" val="1"/>
+              <ma14:wrappingTextBoxFlag xmlns:ma14="http://schemas.microsoft.com/office/mac/drawingml/2011/main" val="1"/>
             </a:ext>
           </a:extLst>
         </p:spPr>
@@ -10238,7 +10277,7 @@
           </a:ln>
           <a:extLst>
             <a:ext uri="{C572A759-6A51-4108-AA02-DFA0A04FC94B}">
-              <ma14:wrappingTextBoxFlag xmlns:ma14="http://schemas.microsoft.com/office/mac/drawingml/2011/main" xmlns="" val="1"/>
+              <ma14:wrappingTextBoxFlag xmlns:ma14="http://schemas.microsoft.com/office/mac/drawingml/2011/main" val="1"/>
             </a:ext>
           </a:extLst>
         </p:spPr>
@@ -11660,7 +11699,7 @@
           </a:ln>
           <a:extLst>
             <a:ext uri="{C572A759-6A51-4108-AA02-DFA0A04FC94B}">
-              <ma14:wrappingTextBoxFlag xmlns:ma14="http://schemas.microsoft.com/office/mac/drawingml/2011/main" xmlns="" val="1"/>
+              <ma14:wrappingTextBoxFlag xmlns:ma14="http://schemas.microsoft.com/office/mac/drawingml/2011/main" val="1"/>
             </a:ext>
           </a:extLst>
         </p:spPr>
@@ -12536,7 +12575,7 @@
           </a:ln>
           <a:extLst>
             <a:ext uri="{C572A759-6A51-4108-AA02-DFA0A04FC94B}">
-              <ma14:wrappingTextBoxFlag xmlns:ma14="http://schemas.microsoft.com/office/mac/drawingml/2011/main" xmlns="" val="1"/>
+              <ma14:wrappingTextBoxFlag xmlns:ma14="http://schemas.microsoft.com/office/mac/drawingml/2011/main" val="1"/>
             </a:ext>
           </a:extLst>
         </p:spPr>
@@ -12700,7 +12739,7 @@
           </a:ln>
           <a:extLst>
             <a:ext uri="{C572A759-6A51-4108-AA02-DFA0A04FC94B}">
-              <ma14:wrappingTextBoxFlag xmlns:ma14="http://schemas.microsoft.com/office/mac/drawingml/2011/main" xmlns="" val="1"/>
+              <ma14:wrappingTextBoxFlag xmlns:ma14="http://schemas.microsoft.com/office/mac/drawingml/2011/main" val="1"/>
             </a:ext>
           </a:extLst>
         </p:spPr>
@@ -12872,7 +12911,7 @@
           </a:ln>
           <a:extLst>
             <a:ext uri="{C572A759-6A51-4108-AA02-DFA0A04FC94B}">
-              <ma14:wrappingTextBoxFlag xmlns:ma14="http://schemas.microsoft.com/office/mac/drawingml/2011/main" xmlns="" val="1"/>
+              <ma14:wrappingTextBoxFlag xmlns:ma14="http://schemas.microsoft.com/office/mac/drawingml/2011/main" val="1"/>
             </a:ext>
           </a:extLst>
         </p:spPr>
@@ -13052,7 +13091,7 @@
           </a:ln>
           <a:extLst>
             <a:ext uri="{C572A759-6A51-4108-AA02-DFA0A04FC94B}">
-              <ma14:wrappingTextBoxFlag xmlns:ma14="http://schemas.microsoft.com/office/mac/drawingml/2011/main" xmlns="" val="1"/>
+              <ma14:wrappingTextBoxFlag xmlns:ma14="http://schemas.microsoft.com/office/mac/drawingml/2011/main" val="1"/>
             </a:ext>
           </a:extLst>
         </p:spPr>
@@ -13368,7 +13407,7 @@
           </a:ln>
           <a:extLst>
             <a:ext uri="{C572A759-6A51-4108-AA02-DFA0A04FC94B}">
-              <ma14:wrappingTextBoxFlag xmlns:ma14="http://schemas.microsoft.com/office/mac/drawingml/2011/main" xmlns="" val="1"/>
+              <ma14:wrappingTextBoxFlag xmlns:ma14="http://schemas.microsoft.com/office/mac/drawingml/2011/main" val="1"/>
             </a:ext>
           </a:extLst>
         </p:spPr>
@@ -13510,7 +13549,7 @@
           </a:ln>
           <a:extLst>
             <a:ext uri="{C572A759-6A51-4108-AA02-DFA0A04FC94B}">
-              <ma14:wrappingTextBoxFlag xmlns:ma14="http://schemas.microsoft.com/office/mac/drawingml/2011/main" xmlns="" val="1"/>
+              <ma14:wrappingTextBoxFlag xmlns:ma14="http://schemas.microsoft.com/office/mac/drawingml/2011/main" val="1"/>
             </a:ext>
           </a:extLst>
         </p:spPr>
@@ -14165,7 +14204,7 @@
           </a:ln>
           <a:extLst>
             <a:ext uri="{C572A759-6A51-4108-AA02-DFA0A04FC94B}">
-              <ma14:wrappingTextBoxFlag xmlns:ma14="http://schemas.microsoft.com/office/mac/drawingml/2011/main" xmlns="" val="1"/>
+              <ma14:wrappingTextBoxFlag xmlns:ma14="http://schemas.microsoft.com/office/mac/drawingml/2011/main" val="1"/>
             </a:ext>
           </a:extLst>
         </p:spPr>
@@ -14634,7 +14673,7 @@
           </a:ln>
           <a:extLst>
             <a:ext uri="{C572A759-6A51-4108-AA02-DFA0A04FC94B}">
-              <ma14:wrappingTextBoxFlag xmlns:ma14="http://schemas.microsoft.com/office/mac/drawingml/2011/main" xmlns="" val="1"/>
+              <ma14:wrappingTextBoxFlag xmlns:ma14="http://schemas.microsoft.com/office/mac/drawingml/2011/main" val="1"/>
             </a:ext>
           </a:extLst>
         </p:spPr>
@@ -15111,7 +15150,7 @@
           </a:ln>
           <a:extLst>
             <a:ext uri="{C572A759-6A51-4108-AA02-DFA0A04FC94B}">
-              <ma14:wrappingTextBoxFlag xmlns:ma14="http://schemas.microsoft.com/office/mac/drawingml/2011/main" xmlns="" val="1"/>
+              <ma14:wrappingTextBoxFlag xmlns:ma14="http://schemas.microsoft.com/office/mac/drawingml/2011/main" val="1"/>
             </a:ext>
           </a:extLst>
         </p:spPr>
@@ -15526,7 +15565,7 @@
           </a:ln>
           <a:extLst>
             <a:ext uri="{C572A759-6A51-4108-AA02-DFA0A04FC94B}">
-              <ma14:wrappingTextBoxFlag xmlns:ma14="http://schemas.microsoft.com/office/mac/drawingml/2011/main" xmlns="" val="1"/>
+              <ma14:wrappingTextBoxFlag xmlns:ma14="http://schemas.microsoft.com/office/mac/drawingml/2011/main" val="1"/>
             </a:ext>
           </a:extLst>
         </p:spPr>
@@ -16029,7 +16068,7 @@
           </a:ln>
           <a:extLst>
             <a:ext uri="{C572A759-6A51-4108-AA02-DFA0A04FC94B}">
-              <ma14:wrappingTextBoxFlag xmlns:ma14="http://schemas.microsoft.com/office/mac/drawingml/2011/main" xmlns="" val="1"/>
+              <ma14:wrappingTextBoxFlag xmlns:ma14="http://schemas.microsoft.com/office/mac/drawingml/2011/main" val="1"/>
             </a:ext>
           </a:extLst>
         </p:spPr>
@@ -16165,7 +16204,7 @@
           </a:ln>
           <a:extLst>
             <a:ext uri="{C572A759-6A51-4108-AA02-DFA0A04FC94B}">
-              <ma14:wrappingTextBoxFlag xmlns:ma14="http://schemas.microsoft.com/office/mac/drawingml/2011/main" xmlns="" val="1"/>
+              <ma14:wrappingTextBoxFlag xmlns:ma14="http://schemas.microsoft.com/office/mac/drawingml/2011/main" val="1"/>
             </a:ext>
           </a:extLst>
         </p:spPr>
@@ -16323,7 +16362,7 @@
           </a:ln>
           <a:extLst>
             <a:ext uri="{C572A759-6A51-4108-AA02-DFA0A04FC94B}">
-              <ma14:wrappingTextBoxFlag xmlns:ma14="http://schemas.microsoft.com/office/mac/drawingml/2011/main" xmlns="" val="1"/>
+              <ma14:wrappingTextBoxFlag xmlns:ma14="http://schemas.microsoft.com/office/mac/drawingml/2011/main" val="1"/>
             </a:ext>
           </a:extLst>
         </p:spPr>
@@ -16435,7 +16474,7 @@
           </a:ln>
           <a:extLst>
             <a:ext uri="{C572A759-6A51-4108-AA02-DFA0A04FC94B}">
-              <ma14:wrappingTextBoxFlag xmlns:ma14="http://schemas.microsoft.com/office/mac/drawingml/2011/main" xmlns="" val="1"/>
+              <ma14:wrappingTextBoxFlag xmlns:ma14="http://schemas.microsoft.com/office/mac/drawingml/2011/main" val="1"/>
             </a:ext>
           </a:extLst>
         </p:spPr>
@@ -16621,7 +16660,7 @@
           </a:ln>
           <a:extLst>
             <a:ext uri="{C572A759-6A51-4108-AA02-DFA0A04FC94B}">
-              <ma14:wrappingTextBoxFlag xmlns:ma14="http://schemas.microsoft.com/office/mac/drawingml/2011/main" xmlns="" val="1"/>
+              <ma14:wrappingTextBoxFlag xmlns:ma14="http://schemas.microsoft.com/office/mac/drawingml/2011/main" val="1"/>
             </a:ext>
           </a:extLst>
         </p:spPr>
@@ -16706,7 +16745,7 @@
           </a:ln>
           <a:extLst>
             <a:ext uri="{C572A759-6A51-4108-AA02-DFA0A04FC94B}">
-              <ma14:wrappingTextBoxFlag xmlns:ma14="http://schemas.microsoft.com/office/mac/drawingml/2011/main" xmlns="" val="1"/>
+              <ma14:wrappingTextBoxFlag xmlns:ma14="http://schemas.microsoft.com/office/mac/drawingml/2011/main" val="1"/>
             </a:ext>
           </a:extLst>
         </p:spPr>
@@ -17410,7 +17449,7 @@
           </a:ln>
           <a:extLst>
             <a:ext uri="{C572A759-6A51-4108-AA02-DFA0A04FC94B}">
-              <ma14:wrappingTextBoxFlag xmlns:ma14="http://schemas.microsoft.com/office/mac/drawingml/2011/main" xmlns="" val="1"/>
+              <ma14:wrappingTextBoxFlag xmlns:ma14="http://schemas.microsoft.com/office/mac/drawingml/2011/main" val="1"/>
             </a:ext>
           </a:extLst>
         </p:spPr>
@@ -17819,7 +17858,7 @@
           </a:ln>
           <a:extLst>
             <a:ext uri="{C572A759-6A51-4108-AA02-DFA0A04FC94B}">
-              <ma14:wrappingTextBoxFlag xmlns:ma14="http://schemas.microsoft.com/office/mac/drawingml/2011/main" xmlns="" val="1"/>
+              <ma14:wrappingTextBoxFlag xmlns:ma14="http://schemas.microsoft.com/office/mac/drawingml/2011/main" val="1"/>
             </a:ext>
           </a:extLst>
         </p:spPr>
@@ -18303,7 +18342,7 @@
           </a:ln>
           <a:extLst>
             <a:ext uri="{C572A759-6A51-4108-AA02-DFA0A04FC94B}">
-              <ma14:wrappingTextBoxFlag xmlns:ma14="http://schemas.microsoft.com/office/mac/drawingml/2011/main" xmlns="" val="1"/>
+              <ma14:wrappingTextBoxFlag xmlns:ma14="http://schemas.microsoft.com/office/mac/drawingml/2011/main" val="1"/>
             </a:ext>
           </a:extLst>
         </p:spPr>
@@ -18798,7 +18837,7 @@
           </a:ln>
           <a:extLst>
             <a:ext uri="{C572A759-6A51-4108-AA02-DFA0A04FC94B}">
-              <ma14:wrappingTextBoxFlag xmlns:ma14="http://schemas.microsoft.com/office/mac/drawingml/2011/main" xmlns="" val="1"/>
+              <ma14:wrappingTextBoxFlag xmlns:ma14="http://schemas.microsoft.com/office/mac/drawingml/2011/main" val="1"/>
             </a:ext>
           </a:extLst>
         </p:spPr>
@@ -19003,7 +19042,7 @@
           </a:ln>
           <a:extLst>
             <a:ext uri="{C572A759-6A51-4108-AA02-DFA0A04FC94B}">
-              <ma14:wrappingTextBoxFlag xmlns:ma14="http://schemas.microsoft.com/office/mac/drawingml/2011/main" xmlns="" val="1"/>
+              <ma14:wrappingTextBoxFlag xmlns:ma14="http://schemas.microsoft.com/office/mac/drawingml/2011/main" val="1"/>
             </a:ext>
           </a:extLst>
         </p:spPr>
@@ -19171,7 +19210,7 @@
           </a:ln>
           <a:extLst>
             <a:ext uri="{C572A759-6A51-4108-AA02-DFA0A04FC94B}">
-              <ma14:wrappingTextBoxFlag xmlns:ma14="http://schemas.microsoft.com/office/mac/drawingml/2011/main" xmlns="" val="1"/>
+              <ma14:wrappingTextBoxFlag xmlns:ma14="http://schemas.microsoft.com/office/mac/drawingml/2011/main" val="1"/>
             </a:ext>
           </a:extLst>
         </p:spPr>
@@ -19794,7 +19833,7 @@
           </a:ln>
           <a:extLst>
             <a:ext uri="{C572A759-6A51-4108-AA02-DFA0A04FC94B}">
-              <ma14:wrappingTextBoxFlag xmlns:ma14="http://schemas.microsoft.com/office/mac/drawingml/2011/main" xmlns="" val="1"/>
+              <ma14:wrappingTextBoxFlag xmlns:ma14="http://schemas.microsoft.com/office/mac/drawingml/2011/main" val="1"/>
             </a:ext>
           </a:extLst>
         </p:spPr>
@@ -20439,7 +20478,7 @@
           </a:ln>
           <a:extLst>
             <a:ext uri="{C572A759-6A51-4108-AA02-DFA0A04FC94B}">
-              <ma14:wrappingTextBoxFlag xmlns:ma14="http://schemas.microsoft.com/office/mac/drawingml/2011/main" xmlns="" val="1"/>
+              <ma14:wrappingTextBoxFlag xmlns:ma14="http://schemas.microsoft.com/office/mac/drawingml/2011/main" val="1"/>
             </a:ext>
           </a:extLst>
         </p:spPr>
@@ -20884,7 +20923,7 @@
           </a:ln>
           <a:extLst>
             <a:ext uri="{C572A759-6A51-4108-AA02-DFA0A04FC94B}">
-              <ma14:wrappingTextBoxFlag xmlns:ma14="http://schemas.microsoft.com/office/mac/drawingml/2011/main" xmlns="" val="1"/>
+              <ma14:wrappingTextBoxFlag xmlns:ma14="http://schemas.microsoft.com/office/mac/drawingml/2011/main" val="1"/>
             </a:ext>
           </a:extLst>
         </p:spPr>
@@ -24431,7 +24470,7 @@
           </a:ln>
           <a:extLst>
             <a:ext uri="{C572A759-6A51-4108-AA02-DFA0A04FC94B}">
-              <ma14:wrappingTextBoxFlag xmlns:ma14="http://schemas.microsoft.com/office/mac/drawingml/2011/main" xmlns="" val="1"/>
+              <ma14:wrappingTextBoxFlag xmlns:ma14="http://schemas.microsoft.com/office/mac/drawingml/2011/main" val="1"/>
             </a:ext>
           </a:extLst>
         </p:spPr>
@@ -24709,7 +24748,7 @@
           </a:ln>
           <a:extLst>
             <a:ext uri="{C572A759-6A51-4108-AA02-DFA0A04FC94B}">
-              <ma14:wrappingTextBoxFlag xmlns:ma14="http://schemas.microsoft.com/office/mac/drawingml/2011/main" xmlns="" val="1"/>
+              <ma14:wrappingTextBoxFlag xmlns:ma14="http://schemas.microsoft.com/office/mac/drawingml/2011/main" val="1"/>
             </a:ext>
           </a:extLst>
         </p:spPr>
@@ -24929,7 +24968,7 @@
           </a:ln>
           <a:extLst>
             <a:ext uri="{C572A759-6A51-4108-AA02-DFA0A04FC94B}">
-              <ma14:wrappingTextBoxFlag xmlns:ma14="http://schemas.microsoft.com/office/mac/drawingml/2011/main" xmlns="" val="1"/>
+              <ma14:wrappingTextBoxFlag xmlns:ma14="http://schemas.microsoft.com/office/mac/drawingml/2011/main" val="1"/>
             </a:ext>
           </a:extLst>
         </p:spPr>
@@ -25989,7 +26028,7 @@
           </a:ln>
           <a:extLst>
             <a:ext uri="{C572A759-6A51-4108-AA02-DFA0A04FC94B}">
-              <ma14:wrappingTextBoxFlag xmlns:ma14="http://schemas.microsoft.com/office/mac/drawingml/2011/main" xmlns="" val="1"/>
+              <ma14:wrappingTextBoxFlag xmlns:ma14="http://schemas.microsoft.com/office/mac/drawingml/2011/main" val="1"/>
             </a:ext>
           </a:extLst>
         </p:spPr>
@@ -26113,7 +26152,7 @@
           </a:ln>
           <a:extLst>
             <a:ext uri="{C572A759-6A51-4108-AA02-DFA0A04FC94B}">
-              <ma14:wrappingTextBoxFlag xmlns:ma14="http://schemas.microsoft.com/office/mac/drawingml/2011/main" xmlns="" val="1"/>
+              <ma14:wrappingTextBoxFlag xmlns:ma14="http://schemas.microsoft.com/office/mac/drawingml/2011/main" val="1"/>
             </a:ext>
           </a:extLst>
         </p:spPr>
@@ -26614,7 +26653,7 @@
           </a:ln>
           <a:extLst>
             <a:ext uri="{C572A759-6A51-4108-AA02-DFA0A04FC94B}">
-              <ma14:wrappingTextBoxFlag xmlns="" xmlns:ma14="http://schemas.microsoft.com/office/mac/drawingml/2011/main" val="1"/>
+              <ma14:wrappingTextBoxFlag xmlns:ma14="http://schemas.microsoft.com/office/mac/drawingml/2011/main" val="1"/>
             </a:ext>
           </a:extLst>
         </p:spPr>
@@ -26746,7 +26785,7 @@
           </a:ln>
           <a:extLst>
             <a:ext uri="{C572A759-6A51-4108-AA02-DFA0A04FC94B}">
-              <ma14:wrappingTextBoxFlag xmlns="" xmlns:ma14="http://schemas.microsoft.com/office/mac/drawingml/2011/main" val="1"/>
+              <ma14:wrappingTextBoxFlag xmlns:ma14="http://schemas.microsoft.com/office/mac/drawingml/2011/main" val="1"/>
             </a:ext>
           </a:extLst>
         </p:spPr>
@@ -27350,7 +27389,7 @@
             <a:effectLst/>
             <a:extLst>
               <a:ext uri="{C572A759-6A51-4108-AA02-DFA0A04FC94B}">
-                <ma14:wrappingTextBoxFlag xmlns="" xmlns:ma14="http://schemas.microsoft.com/office/mac/drawingml/2011/main" val="1"/>
+                <ma14:wrappingTextBoxFlag xmlns:ma14="http://schemas.microsoft.com/office/mac/drawingml/2011/main" val="1"/>
               </a:ext>
             </a:extLst>
           </p:spPr>
@@ -27447,7 +27486,7 @@
             <a:effectLst/>
             <a:extLst>
               <a:ext uri="{C572A759-6A51-4108-AA02-DFA0A04FC94B}">
-                <ma14:wrappingTextBoxFlag xmlns="" xmlns:ma14="http://schemas.microsoft.com/office/mac/drawingml/2011/main" val="1"/>
+                <ma14:wrappingTextBoxFlag xmlns:ma14="http://schemas.microsoft.com/office/mac/drawingml/2011/main" val="1"/>
               </a:ext>
             </a:extLst>
           </p:spPr>
@@ -27552,7 +27591,7 @@
           </a:ln>
           <a:extLst>
             <a:ext uri="{C572A759-6A51-4108-AA02-DFA0A04FC94B}">
-              <ma14:wrappingTextBoxFlag xmlns="" xmlns:ma14="http://schemas.microsoft.com/office/mac/drawingml/2011/main" val="1"/>
+              <ma14:wrappingTextBoxFlag xmlns:ma14="http://schemas.microsoft.com/office/mac/drawingml/2011/main" val="1"/>
             </a:ext>
           </a:extLst>
         </p:spPr>
@@ -28336,7 +28375,7 @@
           </a:ln>
           <a:extLst>
             <a:ext uri="{C572A759-6A51-4108-AA02-DFA0A04FC94B}">
-              <ma14:wrappingTextBoxFlag xmlns="" xmlns:ma14="http://schemas.microsoft.com/office/mac/drawingml/2011/main" val="1"/>
+              <ma14:wrappingTextBoxFlag xmlns:ma14="http://schemas.microsoft.com/office/mac/drawingml/2011/main" val="1"/>
             </a:ext>
           </a:extLst>
         </p:spPr>
@@ -29008,7 +29047,7 @@
           </a:ln>
           <a:extLst>
             <a:ext uri="{C572A759-6A51-4108-AA02-DFA0A04FC94B}">
-              <ma14:wrappingTextBoxFlag xmlns="" xmlns:ma14="http://schemas.microsoft.com/office/mac/drawingml/2011/main" val="1"/>
+              <ma14:wrappingTextBoxFlag xmlns:ma14="http://schemas.microsoft.com/office/mac/drawingml/2011/main" val="1"/>
             </a:ext>
           </a:extLst>
         </p:spPr>
@@ -29512,7 +29551,7 @@
           </a:ln>
           <a:extLst>
             <a:ext uri="{C572A759-6A51-4108-AA02-DFA0A04FC94B}">
-              <ma14:wrappingTextBoxFlag xmlns="" xmlns:ma14="http://schemas.microsoft.com/office/mac/drawingml/2011/main" val="1"/>
+              <ma14:wrappingTextBoxFlag xmlns:ma14="http://schemas.microsoft.com/office/mac/drawingml/2011/main" val="1"/>
             </a:ext>
           </a:extLst>
         </p:spPr>
@@ -29568,7 +29607,7 @@
           </a:ln>
           <a:extLst>
             <a:ext uri="{C572A759-6A51-4108-AA02-DFA0A04FC94B}">
-              <ma14:wrappingTextBoxFlag xmlns="" xmlns:ma14="http://schemas.microsoft.com/office/mac/drawingml/2011/main" val="1"/>
+              <ma14:wrappingTextBoxFlag xmlns:ma14="http://schemas.microsoft.com/office/mac/drawingml/2011/main" val="1"/>
             </a:ext>
           </a:extLst>
         </p:spPr>
@@ -29922,7 +29961,7 @@
           </a:ln>
           <a:extLst>
             <a:ext uri="{C572A759-6A51-4108-AA02-DFA0A04FC94B}">
-              <ma14:wrappingTextBoxFlag xmlns="" xmlns:ma14="http://schemas.microsoft.com/office/mac/drawingml/2011/main" val="1"/>
+              <ma14:wrappingTextBoxFlag xmlns:ma14="http://schemas.microsoft.com/office/mac/drawingml/2011/main" val="1"/>
             </a:ext>
           </a:extLst>
         </p:spPr>
@@ -30672,7 +30711,7 @@
           </a:ln>
           <a:extLst>
             <a:ext uri="{C572A759-6A51-4108-AA02-DFA0A04FC94B}">
-              <ma14:wrappingTextBoxFlag xmlns="" xmlns:ma14="http://schemas.microsoft.com/office/mac/drawingml/2011/main" val="1"/>
+              <ma14:wrappingTextBoxFlag xmlns:ma14="http://schemas.microsoft.com/office/mac/drawingml/2011/main" val="1"/>
             </a:ext>
           </a:extLst>
         </p:spPr>
@@ -31722,7 +31761,7 @@
         <p:spPr/>
         <p:txBody>
           <a:bodyPr>
-            <a:normAutofit lnSpcReduction="10000"/>
+            <a:normAutofit fontScale="92500" lnSpcReduction="10000"/>
           </a:bodyPr>
           <a:lstStyle/>
           <a:p>

--- a/HTML_CSS_CMS/HTML_CSS.pptx
+++ b/HTML_CSS_CMS/HTML_CSS.pptx
@@ -235,7 +235,7 @@
           <a:p>
             <a:fld id="{664B5C24-0392-4339-8F2A-F5229634CDDD}" type="datetimeFigureOut">
               <a:rPr lang="fr-FR" smtClean="0"/>
-              <a:t>10/10/2016</a:t>
+              <a:t>22/10/2016</a:t>
             </a:fld>
             <a:endParaRPr lang="fr-FR"/>
           </a:p>
@@ -6515,6 +6515,13 @@
       </p:transition>
     </mc:Fallback>
   </mc:AlternateContent>
+  <p:timing>
+    <p:tnLst>
+      <p:par>
+        <p:cTn id="1" dur="indefinite" restart="never" nodeType="tmRoot"/>
+      </p:par>
+    </p:tnLst>
+  </p:timing>
 </p:sld>
 </file>
 
@@ -6794,6 +6801,13 @@
       </p:transition>
     </mc:Fallback>
   </mc:AlternateContent>
+  <p:timing>
+    <p:tnLst>
+      <p:par>
+        <p:cTn id="1" dur="indefinite" restart="never" nodeType="tmRoot"/>
+      </p:par>
+    </p:tnLst>
+  </p:timing>
 </p:sld>
 </file>
 
@@ -10672,6 +10686,13 @@
       </p:transition>
     </mc:Fallback>
   </mc:AlternateContent>
+  <p:timing>
+    <p:tnLst>
+      <p:par>
+        <p:cTn id="1" dur="indefinite" restart="never" nodeType="tmRoot"/>
+      </p:par>
+    </p:tnLst>
+  </p:timing>
 </p:sld>
 </file>
 
@@ -11991,8 +12012,8 @@
         </p:nvSpPr>
         <p:spPr>
           <a:xfrm>
-            <a:off x="1682337" y="2497937"/>
-            <a:ext cx="2260270" cy="1477328"/>
+            <a:off x="1682336" y="2497937"/>
+            <a:ext cx="3103023" cy="1477328"/>
           </a:xfrm>
           <a:prstGeom prst="rect">
             <a:avLst/>
@@ -12189,8 +12210,8 @@
         </p:nvSpPr>
         <p:spPr>
           <a:xfrm>
-            <a:off x="7297387" y="2497937"/>
-            <a:ext cx="2260270" cy="1477328"/>
+            <a:off x="7297386" y="2497937"/>
+            <a:ext cx="2943893" cy="1477328"/>
           </a:xfrm>
           <a:prstGeom prst="rect">
             <a:avLst/>
@@ -12505,6 +12526,13 @@
       </p:transition>
     </mc:Fallback>
   </mc:AlternateContent>
+  <p:timing>
+    <p:tnLst>
+      <p:par>
+        <p:cTn id="1" dur="indefinite" restart="never" nodeType="tmRoot"/>
+      </p:par>
+    </p:tnLst>
+  </p:timing>
 </p:sld>
 </file>
 
@@ -15999,6 +16027,13 @@
       </p:transition>
     </mc:Fallback>
   </mc:AlternateContent>
+  <p:timing>
+    <p:tnLst>
+      <p:par>
+        <p:cTn id="1" dur="indefinite" restart="never" nodeType="tmRoot"/>
+      </p:par>
+    </p:tnLst>
+  </p:timing>
 </p:sld>
 </file>
 
@@ -16091,15 +16126,15 @@
               </a:defRPr>
             </a:pPr>
             <a:r>
-              <a:rPr sz="1406" b="1"/>
+              <a:rPr sz="1406" b="1" dirty="0"/>
               <a:t>&lt;form</a:t>
             </a:r>
             <a:r>
-              <a:rPr sz="1406"/>
+              <a:rPr sz="1406" dirty="0"/>
               <a:t> </a:t>
             </a:r>
             <a:r>
-              <a:rPr sz="1406">
+              <a:rPr sz="1406" dirty="0">
                 <a:solidFill>
                   <a:srgbClr val="006DBC"/>
                 </a:solidFill>
@@ -16107,11 +16142,11 @@
               <a:t>action</a:t>
             </a:r>
             <a:r>
-              <a:rPr sz="1406"/>
+              <a:rPr sz="1406" dirty="0"/>
               <a:t>=</a:t>
             </a:r>
             <a:r>
-              <a:rPr sz="1406">
+              <a:rPr sz="1406" dirty="0">
                 <a:solidFill>
                   <a:srgbClr val="CD1D00"/>
                 </a:solidFill>
@@ -16119,11 +16154,11 @@
               <a:t>"#"</a:t>
             </a:r>
             <a:r>
-              <a:rPr sz="1406"/>
+              <a:rPr sz="1406" dirty="0"/>
               <a:t> </a:t>
             </a:r>
             <a:r>
-              <a:rPr sz="1406">
+              <a:rPr sz="1406" dirty="0">
                 <a:solidFill>
                   <a:srgbClr val="006DBC"/>
                 </a:solidFill>
@@ -16131,11 +16166,11 @@
               <a:t>method</a:t>
             </a:r>
             <a:r>
-              <a:rPr sz="1406"/>
+              <a:rPr sz="1406" dirty="0"/>
               <a:t>=</a:t>
             </a:r>
             <a:r>
-              <a:rPr sz="1406">
+              <a:rPr sz="1406" dirty="0">
                 <a:solidFill>
                   <a:srgbClr val="CD1D00"/>
                 </a:solidFill>
@@ -16143,7 +16178,7 @@
               <a:t>"post"</a:t>
             </a:r>
             <a:r>
-              <a:rPr sz="1406" b="1"/>
+              <a:rPr sz="1406" b="1" dirty="0"/>
               <a:t>&gt;</a:t>
             </a:r>
           </a:p>
@@ -16160,7 +16195,7 @@
                 <a:sym typeface="Courier New"/>
               </a:defRPr>
             </a:pPr>
-            <a:endParaRPr sz="1406" b="1"/>
+            <a:endParaRPr sz="1406" b="1" dirty="0"/>
           </a:p>
           <a:p>
             <a:pPr defTabSz="321457">
@@ -16176,7 +16211,7 @@
               </a:defRPr>
             </a:pPr>
             <a:r>
-              <a:rPr sz="1406"/>
+              <a:rPr sz="1406" dirty="0"/>
               <a:t>&lt;/form&gt;</a:t>
             </a:r>
           </a:p>
@@ -25545,6 +25580,13 @@
       </p:transition>
     </mc:Fallback>
   </mc:AlternateContent>
+  <p:timing>
+    <p:tnLst>
+      <p:par>
+        <p:cTn id="1" dur="indefinite" restart="never" nodeType="tmRoot"/>
+      </p:par>
+    </p:tnLst>
+  </p:timing>
 </p:sld>
 </file>
 
@@ -26386,6 +26428,13 @@
   <p:clrMapOvr>
     <a:masterClrMapping/>
   </p:clrMapOvr>
+  <p:timing>
+    <p:tnLst>
+      <p:par>
+        <p:cTn id="1" dur="indefinite" restart="never" nodeType="tmRoot"/>
+      </p:par>
+    </p:tnLst>
+  </p:timing>
 </p:sld>
 </file>
 
@@ -30994,6 +31043,13 @@
       </p:transition>
     </mc:Fallback>
   </mc:AlternateContent>
+  <p:timing>
+    <p:tnLst>
+      <p:par>
+        <p:cTn id="1" dur="indefinite" restart="never" nodeType="tmRoot"/>
+      </p:par>
+    </p:tnLst>
+  </p:timing>
 </p:sld>
 </file>
 
@@ -31155,6 +31211,13 @@
       </p:transition>
     </mc:Fallback>
   </mc:AlternateContent>
+  <p:timing>
+    <p:tnLst>
+      <p:par>
+        <p:cTn id="1" dur="indefinite" restart="never" nodeType="tmRoot"/>
+      </p:par>
+    </p:tnLst>
+  </p:timing>
 </p:sld>
 </file>
 
@@ -31325,6 +31388,13 @@
       </p:transition>
     </mc:Fallback>
   </mc:AlternateContent>
+  <p:timing>
+    <p:tnLst>
+      <p:par>
+        <p:cTn id="1" dur="indefinite" restart="never" nodeType="tmRoot"/>
+      </p:par>
+    </p:tnLst>
+  </p:timing>
 </p:sld>
 </file>
 
@@ -31517,6 +31587,13 @@
       </p:transition>
     </mc:Fallback>
   </mc:AlternateContent>
+  <p:timing>
+    <p:tnLst>
+      <p:par>
+        <p:cTn id="1" dur="indefinite" restart="never" nodeType="tmRoot"/>
+      </p:par>
+    </p:tnLst>
+  </p:timing>
 </p:sld>
 </file>
 
@@ -31689,6 +31766,13 @@
       </p:transition>
     </mc:Fallback>
   </mc:AlternateContent>
+  <p:timing>
+    <p:tnLst>
+      <p:par>
+        <p:cTn id="1" dur="indefinite" restart="never" nodeType="tmRoot"/>
+      </p:par>
+    </p:tnLst>
+  </p:timing>
 </p:sld>
 </file>
 
@@ -32090,6 +32174,13 @@
       </p:transition>
     </mc:Fallback>
   </mc:AlternateContent>
+  <p:timing>
+    <p:tnLst>
+      <p:par>
+        <p:cTn id="1" dur="indefinite" restart="never" nodeType="tmRoot"/>
+      </p:par>
+    </p:tnLst>
+  </p:timing>
 </p:sld>
 </file>
 
@@ -32224,6 +32315,13 @@
       </p:transition>
     </mc:Fallback>
   </mc:AlternateContent>
+  <p:timing>
+    <p:tnLst>
+      <p:par>
+        <p:cTn id="1" dur="indefinite" restart="never" nodeType="tmRoot"/>
+      </p:par>
+    </p:tnLst>
+  </p:timing>
 </p:sld>
 </file>
 
